--- a/presentation/Day_8.pptx
+++ b/presentation/Day_8.pptx
@@ -385,7 +385,7 @@
           <a:p>
             <a:fld id="{7F5E9BF7-95E4-A242-BA1D-05FDCF603BE6}" type="datetime1">
               <a:rPr lang="en-US" smtClean="0"/>
-              <a:t>10/12/2016</a:t>
+              <a:t>10/13/2016</a:t>
             </a:fld>
             <a:endParaRPr lang="en-US"/>
           </a:p>
@@ -551,7 +551,7 @@
           <a:p>
             <a:fld id="{165DBCB1-0306-AD41-9452-11E7C08D5C04}" type="datetime1">
               <a:rPr lang="en-US" smtClean="0"/>
-              <a:t>10/12/2016</a:t>
+              <a:t>10/13/2016</a:t>
             </a:fld>
             <a:endParaRPr lang="en-US"/>
           </a:p>
@@ -4654,6 +4654,11 @@
               <a:rPr lang="en-US" dirty="0" smtClean="0"/>
               <a:t>Mapping</a:t>
             </a:r>
+            <a:r>
+              <a:rPr lang="hu-HU" dirty="0" smtClean="0"/>
+              <a:t> (JPA)</a:t>
+            </a:r>
+            <a:endParaRPr lang="en-US" dirty="0" smtClean="0"/>
           </a:p>
           <a:p>
             <a:r>
@@ -5390,11 +5395,11 @@
             </a:r>
             <a:r>
               <a:rPr lang="hu-HU" dirty="0" smtClean="0"/>
-              <a:t> </a:t>
+              <a:t> Query </a:t>
             </a:r>
             <a:r>
               <a:rPr lang="hu-HU" dirty="0" smtClean="0"/>
-              <a:t>Query builder TODO</a:t>
+              <a:t>builder</a:t>
             </a:r>
             <a:endParaRPr lang="en-US" dirty="0"/>
           </a:p>
@@ -5437,6 +5442,47 @@
           </a:p>
         </p:txBody>
       </p:sp>
+      <p:pic>
+        <p:nvPicPr>
+          <p:cNvPr id="1026" name="Picture 2" descr="http://blog.gopivotal.com/wp-content/uploads/2013/06/spring-data-gemfire-automated-query-methods.jpg"/>
+          <p:cNvPicPr>
+            <a:picLocks noChangeAspect="1" noChangeArrowheads="1"/>
+          </p:cNvPicPr>
+          <p:nvPr/>
+        </p:nvPicPr>
+        <p:blipFill>
+          <a:blip r:embed="rId3">
+            <a:extLst>
+              <a:ext uri="{28A0092B-C50C-407E-A947-70E740481C1C}">
+                <a14:useLocalDpi xmlns:a14="http://schemas.microsoft.com/office/drawing/2010/main" val="0"/>
+              </a:ext>
+            </a:extLst>
+          </a:blip>
+          <a:srcRect/>
+          <a:stretch>
+            <a:fillRect/>
+          </a:stretch>
+        </p:blipFill>
+        <p:spPr bwMode="auto">
+          <a:xfrm>
+            <a:off x="1809604" y="763982"/>
+            <a:ext cx="5524792" cy="4059901"/>
+          </a:xfrm>
+          <a:prstGeom prst="rect">
+            <a:avLst/>
+          </a:prstGeom>
+          <a:noFill/>
+          <a:extLst>
+            <a:ext uri="{909E8E84-426E-40DD-AFC4-6F175D3DCCD1}">
+              <a14:hiddenFill xmlns:a14="http://schemas.microsoft.com/office/drawing/2010/main">
+                <a:solidFill>
+                  <a:srgbClr val="FFFFFF"/>
+                </a:solidFill>
+              </a14:hiddenFill>
+            </a:ext>
+          </a:extLst>
+        </p:spPr>
+      </p:pic>
     </p:spTree>
     <p:extLst>
       <p:ext uri="{BB962C8B-B14F-4D97-AF65-F5344CB8AC3E}">
@@ -6988,6 +7034,15 @@
 </file>
 
 <file path=customXml/item2.xml><?xml version="1.0" encoding="utf-8"?>
+<?mso-contentType ?>
+<FormTemplates xmlns="http://schemas.microsoft.com/sharepoint/v3/contenttype/forms">
+  <Display>DocumentLibraryForm</Display>
+  <Edit>DocumentLibraryForm</Edit>
+  <New>DocumentLibraryForm</New>
+</FormTemplates>
+</file>
+
+<file path=customXml/item3.xml><?xml version="1.0" encoding="utf-8"?>
 <ct:contentTypeSchema xmlns:ct="http://schemas.microsoft.com/office/2006/metadata/contentType" xmlns:ma="http://schemas.microsoft.com/office/2006/metadata/properties/metaAttributes" ct:_="" ma:_="" ma:contentTypeName="Document" ma:contentTypeID="0x010100B0E9A4A7D20EA84CAA39F80EA2A19865" ma:contentTypeVersion="1" ma:contentTypeDescription="Create a new document." ma:contentTypeScope="" ma:versionID="4ed0c655cf5595f31b06ef1418ca28bf">
   <xsd:schema xmlns:xsd="http://www.w3.org/2001/XMLSchema" xmlns:xs="http://www.w3.org/2001/XMLSchema" xmlns:p="http://schemas.microsoft.com/office/2006/metadata/properties" xmlns:ns1="http://schemas.microsoft.com/sharepoint/v3" targetNamespace="http://schemas.microsoft.com/office/2006/metadata/properties" ma:root="true" ma:fieldsID="4dcce58c87e9fcebab8021569449a8d0" ns1:_="">
     <xsd:import namespace="http://schemas.microsoft.com/sharepoint/v3"/>
@@ -7119,15 +7174,6 @@
 </ct:contentTypeSchema>
 </file>
 
-<file path=customXml/item3.xml><?xml version="1.0" encoding="utf-8"?>
-<?mso-contentType ?>
-<FormTemplates xmlns="http://schemas.microsoft.com/sharepoint/v3/contenttype/forms">
-  <Display>DocumentLibraryForm</Display>
-  <Edit>DocumentLibraryForm</Edit>
-  <New>DocumentLibraryForm</New>
-</FormTemplates>
-</file>
-
 <file path=customXml/itemProps1.xml><?xml version="1.0" encoding="utf-8"?>
 <ds:datastoreItem xmlns:ds="http://schemas.openxmlformats.org/officeDocument/2006/customXml" ds:itemID="{D5E3C081-4081-47AD-A9A6-9F18F525DA1D}">
   <ds:schemaRefs>
@@ -7145,6 +7191,14 @@
 </file>
 
 <file path=customXml/itemProps2.xml><?xml version="1.0" encoding="utf-8"?>
+<ds:datastoreItem xmlns:ds="http://schemas.openxmlformats.org/officeDocument/2006/customXml" ds:itemID="{14883F0F-DE57-4ECA-B9BB-F22E8C5B5D82}">
+  <ds:schemaRefs>
+    <ds:schemaRef ds:uri="http://schemas.microsoft.com/sharepoint/v3/contenttype/forms"/>
+  </ds:schemaRefs>
+</ds:datastoreItem>
+</file>
+
+<file path=customXml/itemProps3.xml><?xml version="1.0" encoding="utf-8"?>
 <ds:datastoreItem xmlns:ds="http://schemas.openxmlformats.org/officeDocument/2006/customXml" ds:itemID="{C3A1A37E-F8E3-427A-BCE9-B1DDB8B96CDF}">
   <ds:schemaRefs>
     <ds:schemaRef ds:uri="http://schemas.microsoft.com/office/2006/metadata/contentType"/>
@@ -7160,12 +7214,4 @@
     <ds:schemaRef ds:uri="http://schemas.microsoft.com/internal/obd"/>
   </ds:schemaRefs>
 </ds:datastoreItem>
-</file>
-
-<file path=customXml/itemProps3.xml><?xml version="1.0" encoding="utf-8"?>
-<ds:datastoreItem xmlns:ds="http://schemas.openxmlformats.org/officeDocument/2006/customXml" ds:itemID="{14883F0F-DE57-4ECA-B9BB-F22E8C5B5D82}">
-  <ds:schemaRefs>
-    <ds:schemaRef ds:uri="http://schemas.microsoft.com/sharepoint/v3/contenttype/forms"/>
-  </ds:schemaRefs>
-</ds:datastoreItem>
 </file>